--- a/zs_sim_robot/meeting_6/meeting_6.pptx
+++ b/zs_sim_robot/meeting_6/meeting_6.pptx
@@ -5,12 +5,12 @@
     <p:sldMasterId id="2147483648" r:id="rId1"/>
   </p:sldMasterIdLst>
   <p:notesMasterIdLst>
-    <p:notesMasterId r:id="rId14"/>
+    <p:notesMasterId r:id="rId15"/>
   </p:notesMasterIdLst>
   <p:sldIdLst>
     <p:sldId id="256" r:id="rId2"/>
     <p:sldId id="396" r:id="rId3"/>
-    <p:sldId id="422" r:id="rId4"/>
+    <p:sldId id="434" r:id="rId4"/>
     <p:sldId id="426" r:id="rId5"/>
     <p:sldId id="423" r:id="rId6"/>
     <p:sldId id="427" r:id="rId7"/>
@@ -20,6 +20,7 @@
     <p:sldId id="430" r:id="rId11"/>
     <p:sldId id="431" r:id="rId12"/>
     <p:sldId id="432" r:id="rId13"/>
+    <p:sldId id="433" r:id="rId14"/>
   </p:sldIdLst>
   <p:sldSz cx="12192000" cy="6858000"/>
   <p:notesSz cx="6858000" cy="9144000"/>
@@ -3451,6 +3452,42 @@
           </a:p>
         </p:txBody>
       </p:sp>
+      <p:pic>
+        <p:nvPicPr>
+          <p:cNvPr id="6" name="Picture 5" descr="A picture containing umbrella, drawing&#10;&#10;Description automatically generated">
+            <a:extLst>
+              <a:ext uri="{FF2B5EF4-FFF2-40B4-BE49-F238E27FC236}">
+                <a16:creationId xmlns:a16="http://schemas.microsoft.com/office/drawing/2014/main" id="{050F9999-66C1-0541-90A1-0CEF46CBDB3F}"/>
+              </a:ext>
+            </a:extLst>
+          </p:cNvPr>
+          <p:cNvPicPr>
+            <a:picLocks noChangeAspect="1"/>
+          </p:cNvPicPr>
+          <p:nvPr/>
+        </p:nvPicPr>
+        <p:blipFill>
+          <a:blip r:embed="rId2">
+            <a:extLst>
+              <a:ext uri="{28A0092B-C50C-407E-A947-70E740481C1C}">
+                <a14:useLocalDpi xmlns:a14="http://schemas.microsoft.com/office/drawing/2010/main" val="0"/>
+              </a:ext>
+            </a:extLst>
+          </a:blip>
+          <a:stretch>
+            <a:fillRect/>
+          </a:stretch>
+        </p:blipFill>
+        <p:spPr>
+          <a:xfrm>
+            <a:off x="1991613" y="1725422"/>
+            <a:ext cx="7000319" cy="3646678"/>
+          </a:xfrm>
+          <a:prstGeom prst="rect">
+            <a:avLst/>
+          </a:prstGeom>
+        </p:spPr>
+      </p:pic>
     </p:spTree>
     <p:extLst>
       <p:ext uri="{BB962C8B-B14F-4D97-AF65-F5344CB8AC3E}">
@@ -3506,7 +3543,7 @@
                 <a:latin typeface="微软雅黑 Light" panose="020B0502040204020203" pitchFamily="34" charset="-122"/>
                 <a:ea typeface="微软雅黑 Light" panose="020B0502040204020203" pitchFamily="34" charset="-122"/>
               </a:rPr>
-              <a:t>Goal 15 Obstacle 0.75mm</a:t>
+              <a:t>Issue Analysis</a:t>
             </a:r>
             <a:endParaRPr lang="zh-CN" altLang="en-US" dirty="0">
               <a:latin typeface="微软雅黑 Light" panose="020B0502040204020203" pitchFamily="34" charset="-122"/>
@@ -3515,6 +3552,117 @@
           </a:p>
         </p:txBody>
       </p:sp>
+      <p:sp>
+        <p:nvSpPr>
+          <p:cNvPr id="3" name="TextBox 2">
+            <a:extLst>
+              <a:ext uri="{FF2B5EF4-FFF2-40B4-BE49-F238E27FC236}">
+                <a16:creationId xmlns:a16="http://schemas.microsoft.com/office/drawing/2014/main" id="{8CE5C095-26CF-A345-A419-E26A6ECCD204}"/>
+              </a:ext>
+            </a:extLst>
+          </p:cNvPr>
+          <p:cNvSpPr txBox="1"/>
+          <p:nvPr/>
+        </p:nvSpPr>
+        <p:spPr>
+          <a:xfrm>
+            <a:off x="347831" y="1140506"/>
+            <a:ext cx="12099073" cy="2062103"/>
+          </a:xfrm>
+          <a:prstGeom prst="rect">
+            <a:avLst/>
+          </a:prstGeom>
+          <a:noFill/>
+        </p:spPr>
+        <p:txBody>
+          <a:bodyPr wrap="square" rtlCol="0">
+            <a:spAutoFit/>
+          </a:bodyPr>
+          <a:lstStyle/>
+          <a:p>
+            <a:pPr marL="285750" indent="-285750">
+              <a:buFont typeface="Arial" panose="020B0604020202020204" pitchFamily="34" charset="0"/>
+              <a:buChar char="•"/>
+            </a:pPr>
+            <a:r>
+              <a:rPr lang="en-US" sz="2800" dirty="0"/>
+              <a:t>Planned Actions: 665 steps totally</a:t>
+            </a:r>
+          </a:p>
+          <a:p>
+            <a:pPr marL="342900" indent="-342900">
+              <a:buFont typeface="+mj-lt"/>
+              <a:buAutoNum type="arabicParenR"/>
+            </a:pPr>
+            <a:r>
+              <a:rPr lang="en-US" dirty="0"/>
+              <a:t>First 400 actions: (1, 1) (moving down)</a:t>
+            </a:r>
+          </a:p>
+          <a:p>
+            <a:pPr marL="342900" indent="-342900">
+              <a:buFont typeface="+mj-lt"/>
+              <a:buAutoNum type="arabicParenR"/>
+            </a:pPr>
+            <a:r>
+              <a:rPr lang="en-US" dirty="0"/>
+              <a:t>Later 265 actions: (1, 0) (moving right)</a:t>
+            </a:r>
+          </a:p>
+          <a:p>
+            <a:endParaRPr lang="en-US" dirty="0"/>
+          </a:p>
+          <a:p>
+            <a:endParaRPr lang="en-US" dirty="0"/>
+          </a:p>
+          <a:p>
+            <a:pPr marL="285750" indent="-285750">
+              <a:buFont typeface="Arial" panose="020B0604020202020204" pitchFamily="34" charset="0"/>
+              <a:buChar char="•"/>
+            </a:pPr>
+            <a:r>
+              <a:rPr lang="en-US" sz="2800" dirty="0"/>
+              <a:t>Rollout path: collision with obstacle after about 598 steps </a:t>
+            </a:r>
+          </a:p>
+        </p:txBody>
+      </p:sp>
+      <p:pic>
+        <p:nvPicPr>
+          <p:cNvPr id="4" name="Picture 3" descr="A picture containing umbrella, drawing&#10;&#10;Description automatically generated">
+            <a:extLst>
+              <a:ext uri="{FF2B5EF4-FFF2-40B4-BE49-F238E27FC236}">
+                <a16:creationId xmlns:a16="http://schemas.microsoft.com/office/drawing/2014/main" id="{5AFCA900-E5C4-2C45-937B-D49F7D99BE08}"/>
+              </a:ext>
+            </a:extLst>
+          </p:cNvPr>
+          <p:cNvPicPr>
+            <a:picLocks noChangeAspect="1"/>
+          </p:cNvPicPr>
+          <p:nvPr/>
+        </p:nvPicPr>
+        <p:blipFill>
+          <a:blip r:embed="rId2">
+            <a:extLst>
+              <a:ext uri="{28A0092B-C50C-407E-A947-70E740481C1C}">
+                <a14:useLocalDpi xmlns:a14="http://schemas.microsoft.com/office/drawing/2010/main" val="0"/>
+              </a:ext>
+            </a:extLst>
+          </a:blip>
+          <a:stretch>
+            <a:fillRect/>
+          </a:stretch>
+        </p:blipFill>
+        <p:spPr>
+          <a:xfrm>
+            <a:off x="1888743" y="3429000"/>
+            <a:ext cx="5968093" cy="3108960"/>
+          </a:xfrm>
+          <a:prstGeom prst="rect">
+            <a:avLst/>
+          </a:prstGeom>
+        </p:spPr>
+      </p:pic>
     </p:spTree>
     <p:extLst>
       <p:ext uri="{BB962C8B-B14F-4D97-AF65-F5344CB8AC3E}">
@@ -3531,6 +3679,14 @@
 <file path=ppt/slides/slide12.xml><?xml version="1.0" encoding="utf-8"?>
 <p:sld xmlns:a="http://schemas.openxmlformats.org/drawingml/2006/main" xmlns:r="http://schemas.openxmlformats.org/officeDocument/2006/relationships" xmlns:p="http://schemas.openxmlformats.org/presentationml/2006/main">
   <p:cSld>
+    <p:bg>
+      <p:bgPr>
+        <a:solidFill>
+          <a:schemeClr val="bg1"/>
+        </a:solidFill>
+        <a:effectLst/>
+      </p:bgPr>
+    </p:bg>
     <p:spTree>
       <p:nvGrpSpPr>
         <p:cNvPr id="1" name=""/>
@@ -3545,32 +3701,347 @@
           <a:chExt cx="0" cy="0"/>
         </a:xfrm>
       </p:grpSpPr>
-      <p:sp>
-        <p:nvSpPr>
-          <p:cNvPr id="2" name="标题 1"/>
-          <p:cNvSpPr>
-            <a:spLocks noGrp="1"/>
-          </p:cNvSpPr>
-          <p:nvPr>
-            <p:ph type="title"/>
-          </p:nvPr>
+      <p:pic>
+        <p:nvPicPr>
+          <p:cNvPr id="40" name="Picture 39" descr="A close up of a map&#10;&#10;Description automatically generated">
+            <a:extLst>
+              <a:ext uri="{FF2B5EF4-FFF2-40B4-BE49-F238E27FC236}">
+                <a16:creationId xmlns:a16="http://schemas.microsoft.com/office/drawing/2014/main" id="{D62159CE-1F5F-5A40-87FE-B6EF11DE6CDC}"/>
+              </a:ext>
+            </a:extLst>
+          </p:cNvPr>
+          <p:cNvPicPr>
+            <a:picLocks noChangeAspect="1"/>
+          </p:cNvPicPr>
+          <p:nvPr/>
+        </p:nvPicPr>
+        <p:blipFill>
+          <a:blip r:embed="rId2">
+            <a:extLst>
+              <a:ext uri="{28A0092B-C50C-407E-A947-70E740481C1C}">
+                <a14:useLocalDpi xmlns:a14="http://schemas.microsoft.com/office/drawing/2010/main" val="0"/>
+              </a:ext>
+            </a:extLst>
+          </a:blip>
+          <a:stretch>
+            <a:fillRect/>
+          </a:stretch>
+        </p:blipFill>
+        <p:spPr>
+          <a:xfrm>
+            <a:off x="484867" y="2727552"/>
+            <a:ext cx="3609975" cy="1704975"/>
+          </a:xfrm>
+          <a:prstGeom prst="rect">
+            <a:avLst/>
+          </a:prstGeom>
+        </p:spPr>
+      </p:pic>
+      <p:pic>
+        <p:nvPicPr>
+          <p:cNvPr id="42" name="Picture 41" descr="A close up of a map&#10;&#10;Description automatically generated">
+            <a:extLst>
+              <a:ext uri="{FF2B5EF4-FFF2-40B4-BE49-F238E27FC236}">
+                <a16:creationId xmlns:a16="http://schemas.microsoft.com/office/drawing/2014/main" id="{841746F5-AEAD-7F4B-99E2-56D1B79C737B}"/>
+              </a:ext>
+            </a:extLst>
+          </p:cNvPr>
+          <p:cNvPicPr>
+            <a:picLocks noChangeAspect="1"/>
+          </p:cNvPicPr>
+          <p:nvPr/>
+        </p:nvPicPr>
+        <p:blipFill>
+          <a:blip r:embed="rId3">
+            <a:extLst>
+              <a:ext uri="{28A0092B-C50C-407E-A947-70E740481C1C}">
+                <a14:useLocalDpi xmlns:a14="http://schemas.microsoft.com/office/drawing/2010/main" val="0"/>
+              </a:ext>
+            </a:extLst>
+          </a:blip>
+          <a:stretch>
+            <a:fillRect/>
+          </a:stretch>
+        </p:blipFill>
+        <p:spPr>
+          <a:xfrm>
+            <a:off x="4390117" y="2995045"/>
+            <a:ext cx="3676650" cy="1736725"/>
+          </a:xfrm>
+          <a:prstGeom prst="rect">
+            <a:avLst/>
+          </a:prstGeom>
+        </p:spPr>
+      </p:pic>
+      <p:pic>
+        <p:nvPicPr>
+          <p:cNvPr id="44" name="Picture 43" descr="A close up of a map&#10;&#10;Description automatically generated">
+            <a:extLst>
+              <a:ext uri="{FF2B5EF4-FFF2-40B4-BE49-F238E27FC236}">
+                <a16:creationId xmlns:a16="http://schemas.microsoft.com/office/drawing/2014/main" id="{D4FAE77A-9FC7-2A46-B143-759CC0534FAE}"/>
+              </a:ext>
+            </a:extLst>
+          </p:cNvPr>
+          <p:cNvPicPr>
+            <a:picLocks noChangeAspect="1"/>
+          </p:cNvPicPr>
+          <p:nvPr/>
+        </p:nvPicPr>
+        <p:blipFill>
+          <a:blip r:embed="rId4">
+            <a:extLst>
+              <a:ext uri="{28A0092B-C50C-407E-A947-70E740481C1C}">
+                <a14:useLocalDpi xmlns:a14="http://schemas.microsoft.com/office/drawing/2010/main" val="0"/>
+              </a:ext>
+            </a:extLst>
+          </a:blip>
+          <a:stretch>
+            <a:fillRect/>
+          </a:stretch>
+        </p:blipFill>
+        <p:spPr>
+          <a:xfrm>
+            <a:off x="8149317" y="2949802"/>
+            <a:ext cx="3757613" cy="1704975"/>
+          </a:xfrm>
+          <a:prstGeom prst="rect">
+            <a:avLst/>
+          </a:prstGeom>
+        </p:spPr>
+      </p:pic>
+      <p:pic>
+        <p:nvPicPr>
+          <p:cNvPr id="46" name="Picture 45" descr="A close up of a map&#10;&#10;Description automatically generated">
+            <a:extLst>
+              <a:ext uri="{FF2B5EF4-FFF2-40B4-BE49-F238E27FC236}">
+                <a16:creationId xmlns:a16="http://schemas.microsoft.com/office/drawing/2014/main" id="{B31E675E-FF3D-8F4E-AA24-BCE81C18621E}"/>
+              </a:ext>
+            </a:extLst>
+          </p:cNvPr>
+          <p:cNvPicPr>
+            <a:picLocks noChangeAspect="1"/>
+          </p:cNvPicPr>
+          <p:nvPr/>
+        </p:nvPicPr>
+        <p:blipFill>
+          <a:blip r:embed="rId5">
+            <a:extLst>
+              <a:ext uri="{28A0092B-C50C-407E-A947-70E740481C1C}">
+                <a14:useLocalDpi xmlns:a14="http://schemas.microsoft.com/office/drawing/2010/main" val="0"/>
+              </a:ext>
+            </a:extLst>
+          </a:blip>
+          <a:stretch>
+            <a:fillRect/>
+          </a:stretch>
+        </p:blipFill>
+        <p:spPr>
+          <a:xfrm>
+            <a:off x="4416310" y="4859088"/>
+            <a:ext cx="3622675" cy="1704975"/>
+          </a:xfrm>
+          <a:prstGeom prst="rect">
+            <a:avLst/>
+          </a:prstGeom>
+        </p:spPr>
+      </p:pic>
+      <p:pic>
+        <p:nvPicPr>
+          <p:cNvPr id="50" name="Picture 49" descr="A close up of a map&#10;&#10;Description automatically generated">
+            <a:extLst>
+              <a:ext uri="{FF2B5EF4-FFF2-40B4-BE49-F238E27FC236}">
+                <a16:creationId xmlns:a16="http://schemas.microsoft.com/office/drawing/2014/main" id="{3138AB52-35A4-674C-AF1A-35C72F1291D6}"/>
+              </a:ext>
+            </a:extLst>
+          </p:cNvPr>
+          <p:cNvPicPr>
+            <a:picLocks noChangeAspect="1"/>
+          </p:cNvPicPr>
+          <p:nvPr/>
+        </p:nvPicPr>
+        <p:blipFill>
+          <a:blip r:embed="rId6">
+            <a:extLst>
+              <a:ext uri="{28A0092B-C50C-407E-A947-70E740481C1C}">
+                <a14:useLocalDpi xmlns:a14="http://schemas.microsoft.com/office/drawing/2010/main" val="0"/>
+              </a:ext>
+            </a:extLst>
+          </a:blip>
+          <a:stretch>
+            <a:fillRect/>
+          </a:stretch>
+        </p:blipFill>
+        <p:spPr>
+          <a:xfrm>
+            <a:off x="623773" y="1020989"/>
+            <a:ext cx="3705225" cy="1706563"/>
+          </a:xfrm>
+          <a:prstGeom prst="rect">
+            <a:avLst/>
+          </a:prstGeom>
+        </p:spPr>
+      </p:pic>
+      <p:pic>
+        <p:nvPicPr>
+          <p:cNvPr id="52" name="Picture 51" descr="A close up of a map&#10;&#10;Description automatically generated">
+            <a:extLst>
+              <a:ext uri="{FF2B5EF4-FFF2-40B4-BE49-F238E27FC236}">
+                <a16:creationId xmlns:a16="http://schemas.microsoft.com/office/drawing/2014/main" id="{64CAD21F-4745-FE4C-B1A1-F8C08829794E}"/>
+              </a:ext>
+            </a:extLst>
+          </p:cNvPr>
+          <p:cNvPicPr>
+            <a:picLocks noChangeAspect="1"/>
+          </p:cNvPicPr>
+          <p:nvPr/>
+        </p:nvPicPr>
+        <p:blipFill>
+          <a:blip r:embed="rId7">
+            <a:extLst>
+              <a:ext uri="{28A0092B-C50C-407E-A947-70E740481C1C}">
+                <a14:useLocalDpi xmlns:a14="http://schemas.microsoft.com/office/drawing/2010/main" val="0"/>
+              </a:ext>
+            </a:extLst>
+          </a:blip>
+          <a:stretch>
+            <a:fillRect/>
+          </a:stretch>
+        </p:blipFill>
+        <p:spPr>
+          <a:xfrm>
+            <a:off x="484867" y="4934494"/>
+            <a:ext cx="3905250" cy="1736725"/>
+          </a:xfrm>
+          <a:prstGeom prst="rect">
+            <a:avLst/>
+          </a:prstGeom>
+        </p:spPr>
+      </p:pic>
+      <p:pic>
+        <p:nvPicPr>
+          <p:cNvPr id="54" name="Picture 53" descr="A close up of a map&#10;&#10;Description automatically generated">
+            <a:extLst>
+              <a:ext uri="{FF2B5EF4-FFF2-40B4-BE49-F238E27FC236}">
+                <a16:creationId xmlns:a16="http://schemas.microsoft.com/office/drawing/2014/main" id="{DCB881B0-0450-604F-BB2D-FB1D8C2CC09D}"/>
+              </a:ext>
+            </a:extLst>
+          </p:cNvPr>
+          <p:cNvPicPr>
+            <a:picLocks noChangeAspect="1"/>
+          </p:cNvPicPr>
+          <p:nvPr/>
+        </p:nvPicPr>
+        <p:blipFill>
+          <a:blip r:embed="rId8">
+            <a:extLst>
+              <a:ext uri="{28A0092B-C50C-407E-A947-70E740481C1C}">
+                <a14:useLocalDpi xmlns:a14="http://schemas.microsoft.com/office/drawing/2010/main" val="0"/>
+              </a:ext>
+            </a:extLst>
+          </a:blip>
+          <a:stretch>
+            <a:fillRect/>
+          </a:stretch>
+        </p:blipFill>
+        <p:spPr>
+          <a:xfrm>
+            <a:off x="4428217" y="1161164"/>
+            <a:ext cx="3598863" cy="1706563"/>
+          </a:xfrm>
+          <a:prstGeom prst="rect">
+            <a:avLst/>
+          </a:prstGeom>
+        </p:spPr>
+      </p:pic>
+      <p:pic>
+        <p:nvPicPr>
+          <p:cNvPr id="56" name="Picture 55" descr="A close up of a map&#10;&#10;Description automatically generated">
+            <a:extLst>
+              <a:ext uri="{FF2B5EF4-FFF2-40B4-BE49-F238E27FC236}">
+                <a16:creationId xmlns:a16="http://schemas.microsoft.com/office/drawing/2014/main" id="{3422728D-E599-7647-AD67-4303D39B6B5A}"/>
+              </a:ext>
+            </a:extLst>
+          </p:cNvPr>
+          <p:cNvPicPr>
+            <a:picLocks noChangeAspect="1"/>
+          </p:cNvPicPr>
+          <p:nvPr/>
+        </p:nvPicPr>
+        <p:blipFill>
+          <a:blip r:embed="rId9">
+            <a:extLst>
+              <a:ext uri="{28A0092B-C50C-407E-A947-70E740481C1C}">
+                <a14:useLocalDpi xmlns:a14="http://schemas.microsoft.com/office/drawing/2010/main" val="0"/>
+              </a:ext>
+            </a:extLst>
+          </a:blip>
+          <a:stretch>
+            <a:fillRect/>
+          </a:stretch>
+        </p:blipFill>
+        <p:spPr>
+          <a:xfrm>
+            <a:off x="8149317" y="1081314"/>
+            <a:ext cx="3687763" cy="1706563"/>
+          </a:xfrm>
+          <a:prstGeom prst="rect">
+            <a:avLst/>
+          </a:prstGeom>
+        </p:spPr>
+      </p:pic>
+      <p:sp>
+        <p:nvSpPr>
+          <p:cNvPr id="62" name="标题 1">
+            <a:extLst>
+              <a:ext uri="{FF2B5EF4-FFF2-40B4-BE49-F238E27FC236}">
+                <a16:creationId xmlns:a16="http://schemas.microsoft.com/office/drawing/2014/main" id="{967382B5-3655-ED40-9575-2F05AA22EB0C}"/>
+              </a:ext>
+            </a:extLst>
+          </p:cNvPr>
+          <p:cNvSpPr txBox="1">
+            <a:spLocks/>
+          </p:cNvSpPr>
+          <p:nvPr/>
         </p:nvSpPr>
         <p:spPr>
           <a:xfrm>
             <a:off x="621335" y="-246792"/>
             <a:ext cx="10515600" cy="1325563"/>
           </a:xfrm>
-        </p:spPr>
-        <p:txBody>
-          <a:bodyPr/>
-          <a:lstStyle/>
+          <a:prstGeom prst="rect">
+            <a:avLst/>
+          </a:prstGeom>
+        </p:spPr>
+        <p:txBody>
+          <a:bodyPr vert="horz" lIns="91440" tIns="45720" rIns="91440" bIns="45720" rtlCol="0" anchor="ctr">
+            <a:normAutofit/>
+          </a:bodyPr>
+          <a:lstStyle>
+            <a:lvl1pPr algn="l" defTabSz="914400" rtl="0" eaLnBrk="1" latinLnBrk="0" hangingPunct="1">
+              <a:lnSpc>
+                <a:spcPct val="90000"/>
+              </a:lnSpc>
+              <a:spcBef>
+                <a:spcPct val="0"/>
+              </a:spcBef>
+              <a:buNone/>
+              <a:defRPr sz="4400" kern="1200">
+                <a:solidFill>
+                  <a:schemeClr val="tx1"/>
+                </a:solidFill>
+                <a:latin typeface="+mj-lt"/>
+                <a:ea typeface="+mj-ea"/>
+                <a:cs typeface="+mj-cs"/>
+              </a:defRPr>
+            </a:lvl1pPr>
+          </a:lstStyle>
           <a:p>
             <a:r>
               <a:rPr lang="en-US" altLang="zh-CN" dirty="0">
                 <a:latin typeface="微软雅黑 Light" panose="020B0502040204020203" pitchFamily="34" charset="-122"/>
                 <a:ea typeface="微软雅黑 Light" panose="020B0502040204020203" pitchFamily="34" charset="-122"/>
               </a:rPr>
-              <a:t>Goal 0 Obstacle 0.75mm</a:t>
+              <a:t>Step-by-Step Analysis</a:t>
             </a:r>
             <a:endParaRPr lang="zh-CN" altLang="en-US" dirty="0">
               <a:latin typeface="微软雅黑 Light" panose="020B0502040204020203" pitchFamily="34" charset="-122"/>
@@ -3582,7 +4053,191 @@
     </p:spTree>
     <p:extLst>
       <p:ext uri="{BB962C8B-B14F-4D97-AF65-F5344CB8AC3E}">
-        <p14:creationId xmlns:p14="http://schemas.microsoft.com/office/powerpoint/2010/main" val="3788509237"/>
+        <p14:creationId xmlns:p14="http://schemas.microsoft.com/office/powerpoint/2010/main" val="3070289396"/>
+      </p:ext>
+    </p:extLst>
+  </p:cSld>
+  <p:clrMapOvr>
+    <a:masterClrMapping/>
+  </p:clrMapOvr>
+</p:sld>
+</file>
+
+<file path=ppt/slides/slide13.xml><?xml version="1.0" encoding="utf-8"?>
+<p:sld xmlns:a="http://schemas.openxmlformats.org/drawingml/2006/main" xmlns:r="http://schemas.openxmlformats.org/officeDocument/2006/relationships" xmlns:p="http://schemas.openxmlformats.org/presentationml/2006/main">
+  <p:cSld>
+    <p:spTree>
+      <p:nvGrpSpPr>
+        <p:cNvPr id="1" name=""/>
+        <p:cNvGrpSpPr/>
+        <p:nvPr/>
+      </p:nvGrpSpPr>
+      <p:grpSpPr>
+        <a:xfrm>
+          <a:off x="0" y="0"/>
+          <a:ext cx="0" cy="0"/>
+          <a:chOff x="0" y="0"/>
+          <a:chExt cx="0" cy="0"/>
+        </a:xfrm>
+      </p:grpSpPr>
+      <p:sp>
+        <p:nvSpPr>
+          <p:cNvPr id="62" name="标题 1">
+            <a:extLst>
+              <a:ext uri="{FF2B5EF4-FFF2-40B4-BE49-F238E27FC236}">
+                <a16:creationId xmlns:a16="http://schemas.microsoft.com/office/drawing/2014/main" id="{967382B5-3655-ED40-9575-2F05AA22EB0C}"/>
+              </a:ext>
+            </a:extLst>
+          </p:cNvPr>
+          <p:cNvSpPr txBox="1">
+            <a:spLocks/>
+          </p:cNvSpPr>
+          <p:nvPr/>
+        </p:nvSpPr>
+        <p:spPr>
+          <a:xfrm>
+            <a:off x="132385" y="-386492"/>
+            <a:ext cx="10515600" cy="1325563"/>
+          </a:xfrm>
+          <a:prstGeom prst="rect">
+            <a:avLst/>
+          </a:prstGeom>
+        </p:spPr>
+        <p:txBody>
+          <a:bodyPr vert="horz" lIns="91440" tIns="45720" rIns="91440" bIns="45720" rtlCol="0" anchor="ctr">
+            <a:normAutofit/>
+          </a:bodyPr>
+          <a:lstStyle>
+            <a:lvl1pPr algn="l" defTabSz="914400" rtl="0" eaLnBrk="1" latinLnBrk="0" hangingPunct="1">
+              <a:lnSpc>
+                <a:spcPct val="90000"/>
+              </a:lnSpc>
+              <a:spcBef>
+                <a:spcPct val="0"/>
+              </a:spcBef>
+              <a:buNone/>
+              <a:defRPr sz="4400" kern="1200">
+                <a:solidFill>
+                  <a:schemeClr val="tx1"/>
+                </a:solidFill>
+                <a:latin typeface="+mj-lt"/>
+                <a:ea typeface="+mj-ea"/>
+                <a:cs typeface="+mj-cs"/>
+              </a:defRPr>
+            </a:lvl1pPr>
+          </a:lstStyle>
+          <a:p>
+            <a:r>
+              <a:rPr lang="en-US" altLang="zh-CN" dirty="0">
+                <a:latin typeface="微软雅黑 Light" panose="020B0502040204020203" pitchFamily="34" charset="-122"/>
+                <a:ea typeface="微软雅黑 Light" panose="020B0502040204020203" pitchFamily="34" charset="-122"/>
+              </a:rPr>
+              <a:t>Discussion</a:t>
+            </a:r>
+            <a:endParaRPr lang="zh-CN" altLang="en-US" dirty="0">
+              <a:latin typeface="微软雅黑 Light" panose="020B0502040204020203" pitchFamily="34" charset="-122"/>
+              <a:ea typeface="微软雅黑 Light" panose="020B0502040204020203" pitchFamily="34" charset="-122"/>
+            </a:endParaRPr>
+          </a:p>
+        </p:txBody>
+      </p:sp>
+      <p:sp>
+        <p:nvSpPr>
+          <p:cNvPr id="11" name="TextBox 10">
+            <a:extLst>
+              <a:ext uri="{FF2B5EF4-FFF2-40B4-BE49-F238E27FC236}">
+                <a16:creationId xmlns:a16="http://schemas.microsoft.com/office/drawing/2014/main" id="{43AAEA27-89A4-7248-BDCE-04AA6227BCA3}"/>
+              </a:ext>
+            </a:extLst>
+          </p:cNvPr>
+          <p:cNvSpPr txBox="1"/>
+          <p:nvPr/>
+        </p:nvSpPr>
+        <p:spPr>
+          <a:xfrm>
+            <a:off x="132385" y="415989"/>
+            <a:ext cx="12052300" cy="6555641"/>
+          </a:xfrm>
+          <a:prstGeom prst="rect">
+            <a:avLst/>
+          </a:prstGeom>
+          <a:noFill/>
+        </p:spPr>
+        <p:txBody>
+          <a:bodyPr wrap="square" rtlCol="0">
+            <a:spAutoFit/>
+          </a:bodyPr>
+          <a:lstStyle/>
+          <a:p>
+            <a:pPr marL="285750" indent="-285750">
+              <a:buFont typeface="Arial" panose="020B0604020202020204" pitchFamily="34" charset="0"/>
+              <a:buChar char="•"/>
+            </a:pPr>
+            <a:r>
+              <a:rPr lang="en-US" sz="2800" dirty="0"/>
+              <a:t>Model is not accurate enough in some cases</a:t>
+            </a:r>
+          </a:p>
+          <a:p>
+            <a:pPr marL="285750" indent="-285750">
+              <a:buFont typeface="Arial" panose="020B0604020202020204" pitchFamily="34" charset="0"/>
+              <a:buChar char="•"/>
+            </a:pPr>
+            <a:r>
+              <a:rPr lang="en-US" sz="2800" dirty="0"/>
+              <a:t>Possible cases might be:</a:t>
+            </a:r>
+          </a:p>
+          <a:p>
+            <a:pPr marL="742950" lvl="1" indent="-285750">
+              <a:buFont typeface="Arial" panose="020B0604020202020204" pitchFamily="34" charset="0"/>
+              <a:buChar char="•"/>
+            </a:pPr>
+            <a:r>
+              <a:rPr lang="en-US" sz="2800" dirty="0"/>
+              <a:t>After many trivial steps are executed, such as 400 steps of (1, 1) only leading to a very small progress, the model became inaccurate. (Raw data has never such cases, like 400 steps of (1,1) pushing gripper to move downside. So, the NN model never learned such cases)</a:t>
+            </a:r>
+          </a:p>
+          <a:p>
+            <a:pPr marL="742950" lvl="1" indent="-285750">
+              <a:buFont typeface="Arial" panose="020B0604020202020204" pitchFamily="34" charset="0"/>
+              <a:buChar char="•"/>
+            </a:pPr>
+            <a:endParaRPr lang="en-US" sz="2800" dirty="0"/>
+          </a:p>
+          <a:p>
+            <a:pPr marL="742950" lvl="1" indent="-285750">
+              <a:buFont typeface="Arial" panose="020B0604020202020204" pitchFamily="34" charset="0"/>
+              <a:buChar char="•"/>
+            </a:pPr>
+            <a:r>
+              <a:rPr lang="en-US" sz="2800" dirty="0"/>
+              <a:t>Because load prediction is always not as good as trajectory prediction, so when the values of load matter much, the trajectory prediction, based on the inaccurate load, would be bad. 400 steps of (1, 1) would lead to a relatively high load, which might influence the trajectory prediction afterwards, to a great extent.</a:t>
+            </a:r>
+          </a:p>
+          <a:p>
+            <a:pPr marL="742950" lvl="1" indent="-285750">
+              <a:buFont typeface="Arial" panose="020B0604020202020204" pitchFamily="34" charset="0"/>
+              <a:buChar char="•"/>
+            </a:pPr>
+            <a:endParaRPr lang="en-US" sz="2800" dirty="0"/>
+          </a:p>
+          <a:p>
+            <a:pPr marL="742950" lvl="1" indent="-285750">
+              <a:buFont typeface="Arial" panose="020B0604020202020204" pitchFamily="34" charset="0"/>
+              <a:buChar char="•"/>
+            </a:pPr>
+            <a:r>
+              <a:rPr lang="en-US" sz="2800" dirty="0"/>
+              <a:t>Maybe predictions for steps, (1,1) or (-1,-1), themselves are not accurate enough, although predictions for (1,0),(1,-1),(0,1),(-1,1) are every good.</a:t>
+            </a:r>
+          </a:p>
+        </p:txBody>
+      </p:sp>
+    </p:spTree>
+    <p:extLst>
+      <p:ext uri="{BB962C8B-B14F-4D97-AF65-F5344CB8AC3E}">
+        <p14:creationId xmlns:p14="http://schemas.microsoft.com/office/powerpoint/2010/main" val="213012130"/>
       </p:ext>
     </p:extLst>
   </p:cSld>
@@ -3658,7 +4313,7 @@
         <p:spPr>
           <a:xfrm>
             <a:off x="0" y="1042535"/>
-            <a:ext cx="12192000" cy="1938992"/>
+            <a:ext cx="12192000" cy="2677656"/>
           </a:xfrm>
           <a:prstGeom prst="rect">
             <a:avLst/>
@@ -3715,6 +4370,23 @@
               <a:rPr lang="en-US" sz="2400" b="1" dirty="0"/>
               <a:t>Rollout the planned actions</a:t>
             </a:r>
+          </a:p>
+          <a:p>
+            <a:pPr marL="457200" indent="-457200">
+              <a:buFont typeface="Arial" panose="020B0604020202020204" pitchFamily="34" charset="0"/>
+              <a:buChar char="•"/>
+            </a:pPr>
+            <a:r>
+              <a:rPr lang="en-US" sz="2400" b="1" dirty="0"/>
+              <a:t>Issue Analysis</a:t>
+            </a:r>
+          </a:p>
+          <a:p>
+            <a:pPr marL="457200" indent="-457200">
+              <a:buFont typeface="Arial" panose="020B0604020202020204" pitchFamily="34" charset="0"/>
+              <a:buChar char="•"/>
+            </a:pPr>
+            <a:endParaRPr lang="en-US" sz="2400" b="1" dirty="0"/>
           </a:p>
         </p:txBody>
       </p:sp>
@@ -3797,7 +4469,7 @@
         <p:spPr>
           <a:xfrm>
             <a:off x="0" y="1042535"/>
-            <a:ext cx="12192000" cy="1938992"/>
+            <a:ext cx="12192000" cy="2677656"/>
           </a:xfrm>
           <a:prstGeom prst="rect">
             <a:avLst/>
@@ -3859,12 +4531,29 @@
               <a:t>Rollout the planned actions</a:t>
             </a:r>
           </a:p>
+          <a:p>
+            <a:pPr marL="457200" indent="-457200">
+              <a:buFont typeface="Arial" panose="020B0604020202020204" pitchFamily="34" charset="0"/>
+              <a:buChar char="•"/>
+            </a:pPr>
+            <a:r>
+              <a:rPr lang="en-US" sz="2400" b="1" dirty="0"/>
+              <a:t>Issue Analysis</a:t>
+            </a:r>
+          </a:p>
+          <a:p>
+            <a:pPr marL="457200" indent="-457200">
+              <a:buFont typeface="Arial" panose="020B0604020202020204" pitchFamily="34" charset="0"/>
+              <a:buChar char="•"/>
+            </a:pPr>
+            <a:endParaRPr lang="en-US" sz="2400" b="1" dirty="0"/>
+          </a:p>
         </p:txBody>
       </p:sp>
     </p:spTree>
     <p:extLst>
       <p:ext uri="{BB962C8B-B14F-4D97-AF65-F5344CB8AC3E}">
-        <p14:creationId xmlns:p14="http://schemas.microsoft.com/office/powerpoint/2010/main" val="2223254251"/>
+        <p14:creationId xmlns:p14="http://schemas.microsoft.com/office/powerpoint/2010/main" val="403625798"/>
       </p:ext>
     </p:extLst>
   </p:cSld>
@@ -4201,7 +4890,7 @@
         <p:spPr>
           <a:xfrm>
             <a:off x="0" y="1042535"/>
-            <a:ext cx="12192000" cy="1938992"/>
+            <a:ext cx="12192000" cy="2308324"/>
           </a:xfrm>
           <a:prstGeom prst="rect">
             <a:avLst/>
@@ -4261,6 +4950,16 @@
             <a:r>
               <a:rPr lang="en-US" sz="2400" b="1" dirty="0"/>
               <a:t>Rollout the planned actions</a:t>
+            </a:r>
+          </a:p>
+          <a:p>
+            <a:pPr marL="457200" indent="-457200">
+              <a:buFont typeface="Arial" panose="020B0604020202020204" pitchFamily="34" charset="0"/>
+              <a:buChar char="•"/>
+            </a:pPr>
+            <a:r>
+              <a:rPr lang="en-US" sz="2400" b="1" dirty="0"/>
+              <a:t>Issue Analysis</a:t>
             </a:r>
           </a:p>
         </p:txBody>
@@ -5280,7 +5979,7 @@
         <p:spPr>
           <a:xfrm>
             <a:off x="0" y="1042535"/>
-            <a:ext cx="12192000" cy="1938992"/>
+            <a:ext cx="12192000" cy="2677656"/>
           </a:xfrm>
           <a:prstGeom prst="rect">
             <a:avLst/>
@@ -5349,6 +6048,31 @@
               </a:rPr>
               <a:t>Rollout the planned actions</a:t>
             </a:r>
+          </a:p>
+          <a:p>
+            <a:pPr marL="457200" indent="-457200">
+              <a:buFont typeface="Arial" panose="020B0604020202020204" pitchFamily="34" charset="0"/>
+              <a:buChar char="•"/>
+            </a:pPr>
+            <a:r>
+              <a:rPr lang="en-US" sz="2400" b="1" dirty="0">
+                <a:solidFill>
+                  <a:srgbClr val="FF0000"/>
+                </a:solidFill>
+              </a:rPr>
+              <a:t>Issue Analysis</a:t>
+            </a:r>
+          </a:p>
+          <a:p>
+            <a:pPr marL="457200" indent="-457200">
+              <a:buFont typeface="Arial" panose="020B0604020202020204" pitchFamily="34" charset="0"/>
+              <a:buChar char="•"/>
+            </a:pPr>
+            <a:endParaRPr lang="en-US" sz="2400" b="1" dirty="0">
+              <a:solidFill>
+                <a:srgbClr val="FF0000"/>
+              </a:solidFill>
+            </a:endParaRPr>
           </a:p>
         </p:txBody>
       </p:sp>
